--- a/BayesOpt Pose Graph-Week16.pptx
+++ b/BayesOpt Pose Graph-Week16.pptx
@@ -272,7 +272,7 @@
           <a:p>
             <a:fld id="{EC1BCD71-190D-426B-85E9-B8B75E5C9734}" type="datetimeFigureOut">
               <a:rPr lang="en-GB" smtClean="0"/>
-              <a:t>23/08/2023</a:t>
+              <a:t>09/09/2023</a:t>
             </a:fld>
             <a:endParaRPr lang="en-GB"/>
           </a:p>
@@ -470,7 +470,7 @@
           <a:p>
             <a:fld id="{EC1BCD71-190D-426B-85E9-B8B75E5C9734}" type="datetimeFigureOut">
               <a:rPr lang="en-GB" smtClean="0"/>
-              <a:t>23/08/2023</a:t>
+              <a:t>09/09/2023</a:t>
             </a:fld>
             <a:endParaRPr lang="en-GB"/>
           </a:p>
@@ -678,7 +678,7 @@
           <a:p>
             <a:fld id="{EC1BCD71-190D-426B-85E9-B8B75E5C9734}" type="datetimeFigureOut">
               <a:rPr lang="en-GB" smtClean="0"/>
-              <a:t>23/08/2023</a:t>
+              <a:t>09/09/2023</a:t>
             </a:fld>
             <a:endParaRPr lang="en-GB"/>
           </a:p>
@@ -876,7 +876,7 @@
           <a:p>
             <a:fld id="{EC1BCD71-190D-426B-85E9-B8B75E5C9734}" type="datetimeFigureOut">
               <a:rPr lang="en-GB" smtClean="0"/>
-              <a:t>23/08/2023</a:t>
+              <a:t>09/09/2023</a:t>
             </a:fld>
             <a:endParaRPr lang="en-GB"/>
           </a:p>
@@ -1151,7 +1151,7 @@
           <a:p>
             <a:fld id="{EC1BCD71-190D-426B-85E9-B8B75E5C9734}" type="datetimeFigureOut">
               <a:rPr lang="en-GB" smtClean="0"/>
-              <a:t>23/08/2023</a:t>
+              <a:t>09/09/2023</a:t>
             </a:fld>
             <a:endParaRPr lang="en-GB"/>
           </a:p>
@@ -1416,7 +1416,7 @@
           <a:p>
             <a:fld id="{EC1BCD71-190D-426B-85E9-B8B75E5C9734}" type="datetimeFigureOut">
               <a:rPr lang="en-GB" smtClean="0"/>
-              <a:t>23/08/2023</a:t>
+              <a:t>09/09/2023</a:t>
             </a:fld>
             <a:endParaRPr lang="en-GB"/>
           </a:p>
@@ -1828,7 +1828,7 @@
           <a:p>
             <a:fld id="{EC1BCD71-190D-426B-85E9-B8B75E5C9734}" type="datetimeFigureOut">
               <a:rPr lang="en-GB" smtClean="0"/>
-              <a:t>23/08/2023</a:t>
+              <a:t>09/09/2023</a:t>
             </a:fld>
             <a:endParaRPr lang="en-GB"/>
           </a:p>
@@ -1969,7 +1969,7 @@
           <a:p>
             <a:fld id="{EC1BCD71-190D-426B-85E9-B8B75E5C9734}" type="datetimeFigureOut">
               <a:rPr lang="en-GB" smtClean="0"/>
-              <a:t>23/08/2023</a:t>
+              <a:t>09/09/2023</a:t>
             </a:fld>
             <a:endParaRPr lang="en-GB"/>
           </a:p>
@@ -2082,7 +2082,7 @@
           <a:p>
             <a:fld id="{EC1BCD71-190D-426B-85E9-B8B75E5C9734}" type="datetimeFigureOut">
               <a:rPr lang="en-GB" smtClean="0"/>
-              <a:t>23/08/2023</a:t>
+              <a:t>09/09/2023</a:t>
             </a:fld>
             <a:endParaRPr lang="en-GB"/>
           </a:p>
@@ -2393,7 +2393,7 @@
           <a:p>
             <a:fld id="{EC1BCD71-190D-426B-85E9-B8B75E5C9734}" type="datetimeFigureOut">
               <a:rPr lang="en-GB" smtClean="0"/>
-              <a:t>23/08/2023</a:t>
+              <a:t>09/09/2023</a:t>
             </a:fld>
             <a:endParaRPr lang="en-GB"/>
           </a:p>
@@ -2684,7 +2684,7 @@
           <a:p>
             <a:fld id="{EC1BCD71-190D-426B-85E9-B8B75E5C9734}" type="datetimeFigureOut">
               <a:rPr lang="en-GB" smtClean="0"/>
-              <a:t>23/08/2023</a:t>
+              <a:t>09/09/2023</a:t>
             </a:fld>
             <a:endParaRPr lang="en-GB"/>
           </a:p>
@@ -2925,7 +2925,7 @@
           <a:p>
             <a:fld id="{EC1BCD71-190D-426B-85E9-B8B75E5C9734}" type="datetimeFigureOut">
               <a:rPr lang="en-GB" smtClean="0"/>
-              <a:t>23/08/2023</a:t>
+              <a:t>09/09/2023</a:t>
             </a:fld>
             <a:endParaRPr lang="en-GB"/>
           </a:p>
@@ -3937,7 +3937,7 @@
         </p:blipFill>
         <p:spPr>
           <a:xfrm>
-            <a:off x="7302454" y="4193086"/>
+            <a:off x="7302453" y="4494820"/>
             <a:ext cx="3346622" cy="1041454"/>
           </a:xfrm>
         </p:spPr>
@@ -4113,6 +4113,126 @@
           </a:p>
         </p:txBody>
       </p:sp>
+      <p:pic>
+        <p:nvPicPr>
+          <p:cNvPr id="4" name="Picture 3">
+            <a:extLst>
+              <a:ext uri="{FF2B5EF4-FFF2-40B4-BE49-F238E27FC236}">
+                <a16:creationId xmlns:a16="http://schemas.microsoft.com/office/drawing/2014/main" id="{361F735E-8D16-88F2-F38E-71857441F4E9}"/>
+              </a:ext>
+            </a:extLst>
+          </p:cNvPr>
+          <p:cNvPicPr>
+            <a:picLocks noChangeAspect="1"/>
+          </p:cNvPicPr>
+          <p:nvPr/>
+        </p:nvPicPr>
+        <p:blipFill>
+          <a:blip r:embed="rId4"/>
+          <a:stretch>
+            <a:fillRect/>
+          </a:stretch>
+        </p:blipFill>
+        <p:spPr>
+          <a:xfrm>
+            <a:off x="8815286" y="1131999"/>
+            <a:ext cx="3111660" cy="800141"/>
+          </a:xfrm>
+          <a:prstGeom prst="rect">
+            <a:avLst/>
+          </a:prstGeom>
+        </p:spPr>
+      </p:pic>
+      <p:pic>
+        <p:nvPicPr>
+          <p:cNvPr id="10" name="Picture 9">
+            <a:extLst>
+              <a:ext uri="{FF2B5EF4-FFF2-40B4-BE49-F238E27FC236}">
+                <a16:creationId xmlns:a16="http://schemas.microsoft.com/office/drawing/2014/main" id="{73DFA455-1CBB-9728-824D-883A08973C61}"/>
+              </a:ext>
+            </a:extLst>
+          </p:cNvPr>
+          <p:cNvPicPr>
+            <a:picLocks noChangeAspect="1"/>
+          </p:cNvPicPr>
+          <p:nvPr/>
+        </p:nvPicPr>
+        <p:blipFill>
+          <a:blip r:embed="rId5"/>
+          <a:stretch>
+            <a:fillRect/>
+          </a:stretch>
+        </p:blipFill>
+        <p:spPr>
+          <a:xfrm>
+            <a:off x="9105372" y="3375912"/>
+            <a:ext cx="2863997" cy="825542"/>
+          </a:xfrm>
+          <a:prstGeom prst="rect">
+            <a:avLst/>
+          </a:prstGeom>
+        </p:spPr>
+      </p:pic>
+      <p:pic>
+        <p:nvPicPr>
+          <p:cNvPr id="12" name="Picture 11">
+            <a:extLst>
+              <a:ext uri="{FF2B5EF4-FFF2-40B4-BE49-F238E27FC236}">
+                <a16:creationId xmlns:a16="http://schemas.microsoft.com/office/drawing/2014/main" id="{19FF803C-0292-546A-7DB4-CDD0B9D82608}"/>
+              </a:ext>
+            </a:extLst>
+          </p:cNvPr>
+          <p:cNvPicPr>
+            <a:picLocks noChangeAspect="1"/>
+          </p:cNvPicPr>
+          <p:nvPr/>
+        </p:nvPicPr>
+        <p:blipFill>
+          <a:blip r:embed="rId6"/>
+          <a:stretch>
+            <a:fillRect/>
+          </a:stretch>
+        </p:blipFill>
+        <p:spPr>
+          <a:xfrm>
+            <a:off x="7806010" y="5536274"/>
+            <a:ext cx="3016405" cy="838243"/>
+          </a:xfrm>
+          <a:prstGeom prst="rect">
+            <a:avLst/>
+          </a:prstGeom>
+        </p:spPr>
+      </p:pic>
+      <p:pic>
+        <p:nvPicPr>
+          <p:cNvPr id="14" name="Picture 13">
+            <a:extLst>
+              <a:ext uri="{FF2B5EF4-FFF2-40B4-BE49-F238E27FC236}">
+                <a16:creationId xmlns:a16="http://schemas.microsoft.com/office/drawing/2014/main" id="{95EAE043-9B2C-5713-0F8A-DB51307E32AA}"/>
+              </a:ext>
+            </a:extLst>
+          </p:cNvPr>
+          <p:cNvPicPr>
+            <a:picLocks noChangeAspect="1"/>
+          </p:cNvPicPr>
+          <p:nvPr/>
+        </p:nvPicPr>
+        <p:blipFill>
+          <a:blip r:embed="rId7"/>
+          <a:stretch>
+            <a:fillRect/>
+          </a:stretch>
+        </p:blipFill>
+        <p:spPr>
+          <a:xfrm>
+            <a:off x="4220544" y="4156992"/>
+            <a:ext cx="3029106" cy="901746"/>
+          </a:xfrm>
+          <a:prstGeom prst="rect">
+            <a:avLst/>
+          </a:prstGeom>
+        </p:spPr>
+      </p:pic>
     </p:spTree>
     <p:extLst>
       <p:ext uri="{BB962C8B-B14F-4D97-AF65-F5344CB8AC3E}">
